--- a/6救主降生.pptx
+++ b/6救主降生.pptx
@@ -249,7 +249,7 @@
             <a:fld id="{86B5546F-C09B-4E63-ABC5-F7C86A7E8D66}" type="datetimeFigureOut">
               <a:rPr lang="en-US" smtClean="0"/>
               <a:pPr/>
-              <a:t>12/21/2018</a:t>
+              <a:t>12/23/2017</a:t>
             </a:fld>
             <a:endParaRPr lang="en-US"/>
           </a:p>
@@ -1120,7 +1120,7 @@
             <a:fld id="{86B5546F-C09B-4E63-ABC5-F7C86A7E8D66}" type="datetimeFigureOut">
               <a:rPr lang="en-US" smtClean="0"/>
               <a:pPr/>
-              <a:t>12/21/2018</a:t>
+              <a:t>12/23/2017</a:t>
             </a:fld>
             <a:endParaRPr lang="en-US"/>
           </a:p>
@@ -1297,7 +1297,7 @@
             <a:fld id="{86B5546F-C09B-4E63-ABC5-F7C86A7E8D66}" type="datetimeFigureOut">
               <a:rPr lang="en-US" smtClean="0"/>
               <a:pPr/>
-              <a:t>12/21/2018</a:t>
+              <a:t>12/23/2017</a:t>
             </a:fld>
             <a:endParaRPr lang="en-US"/>
           </a:p>
@@ -1469,7 +1469,7 @@
             <a:fld id="{86B5546F-C09B-4E63-ABC5-F7C86A7E8D66}" type="datetimeFigureOut">
               <a:rPr lang="en-US" smtClean="0"/>
               <a:pPr/>
-              <a:t>12/21/2018</a:t>
+              <a:t>12/23/2017</a:t>
             </a:fld>
             <a:endParaRPr lang="en-US"/>
           </a:p>
@@ -1681,7 +1681,7 @@
             <a:fld id="{86B5546F-C09B-4E63-ABC5-F7C86A7E8D66}" type="datetimeFigureOut">
               <a:rPr lang="en-US" smtClean="0"/>
               <a:pPr/>
-              <a:t>12/21/2018</a:t>
+              <a:t>12/23/2017</a:t>
             </a:fld>
             <a:endParaRPr lang="en-US"/>
           </a:p>
@@ -2497,7 +2497,7 @@
             <a:fld id="{86B5546F-C09B-4E63-ABC5-F7C86A7E8D66}" type="datetimeFigureOut">
               <a:rPr lang="en-US" smtClean="0"/>
               <a:pPr/>
-              <a:t>12/21/2018</a:t>
+              <a:t>12/23/2017</a:t>
             </a:fld>
             <a:endParaRPr lang="en-US"/>
           </a:p>
@@ -2735,7 +2735,7 @@
             <a:fld id="{86B5546F-C09B-4E63-ABC5-F7C86A7E8D66}" type="datetimeFigureOut">
               <a:rPr lang="en-US" smtClean="0"/>
               <a:pPr/>
-              <a:t>12/21/2018</a:t>
+              <a:t>12/23/2017</a:t>
             </a:fld>
             <a:endParaRPr lang="en-US"/>
           </a:p>
@@ -3060,7 +3060,7 @@
             <a:fld id="{86B5546F-C09B-4E63-ABC5-F7C86A7E8D66}" type="datetimeFigureOut">
               <a:rPr lang="en-US" smtClean="0"/>
               <a:pPr/>
-              <a:t>12/21/2018</a:t>
+              <a:t>12/23/2017</a:t>
             </a:fld>
             <a:endParaRPr lang="en-US"/>
           </a:p>
@@ -3152,7 +3152,7 @@
             <a:fld id="{86B5546F-C09B-4E63-ABC5-F7C86A7E8D66}" type="datetimeFigureOut">
               <a:rPr lang="en-US" smtClean="0"/>
               <a:pPr/>
-              <a:t>12/21/2018</a:t>
+              <a:t>12/23/2017</a:t>
             </a:fld>
             <a:endParaRPr lang="en-US"/>
           </a:p>
@@ -3671,7 +3671,7 @@
             <a:fld id="{86B5546F-C09B-4E63-ABC5-F7C86A7E8D66}" type="datetimeFigureOut">
               <a:rPr lang="en-US" smtClean="0"/>
               <a:pPr/>
-              <a:t>12/21/2018</a:t>
+              <a:t>12/23/2017</a:t>
             </a:fld>
             <a:endParaRPr lang="en-US"/>
           </a:p>
@@ -4184,7 +4184,7 @@
             <a:fld id="{86B5546F-C09B-4E63-ABC5-F7C86A7E8D66}" type="datetimeFigureOut">
               <a:rPr lang="en-US" smtClean="0"/>
               <a:pPr/>
-              <a:t>12/21/2018</a:t>
+              <a:t>12/23/2017</a:t>
             </a:fld>
             <a:endParaRPr lang="en-US"/>
           </a:p>
@@ -4431,7 +4431,7 @@
             <a:fld id="{86B5546F-C09B-4E63-ABC5-F7C86A7E8D66}" type="datetimeFigureOut">
               <a:rPr lang="en-US" smtClean="0"/>
               <a:pPr/>
-              <a:t>12/21/2018</a:t>
+              <a:t>12/23/2017</a:t>
             </a:fld>
             <a:endParaRPr lang="en-US"/>
           </a:p>
@@ -5055,16 +5055,10 @@
           <a:lstStyle/>
           <a:p>
             <a:r>
-              <a:rPr lang="zh-CN" altLang="en-US" sz="8000" dirty="0" smtClean="0">
-                <a:latin typeface="微軟正黑體" pitchFamily="34" charset="-120"/>
-                <a:ea typeface="微軟正黑體" pitchFamily="34" charset="-120"/>
-              </a:rPr>
+              <a:rPr lang="zh-CN" altLang="en-US" sz="8000" dirty="0" smtClean="0"/>
               <a:t>救主降生</a:t>
             </a:r>
-            <a:endParaRPr lang="en-US" sz="8000" dirty="0">
-              <a:latin typeface="微軟正黑體" pitchFamily="34" charset="-120"/>
-              <a:ea typeface="微軟正黑體" pitchFamily="34" charset="-120"/>
-            </a:endParaRPr>
+            <a:endParaRPr lang="en-US" sz="8000" dirty="0"/>
           </a:p>
         </p:txBody>
       </p:sp>
@@ -5086,217 +5080,124 @@
           <a:lstStyle/>
           <a:p>
             <a:r>
-              <a:rPr lang="zh-CN" altLang="en-US" dirty="0" smtClean="0">
-                <a:latin typeface="微軟正黑體" pitchFamily="34" charset="-120"/>
-                <a:ea typeface="微軟正黑體" pitchFamily="34" charset="-120"/>
-              </a:rPr>
+              <a:rPr lang="zh-CN" altLang="en-US" dirty="0" smtClean="0"/>
               <a:t>賽</a:t>
             </a:r>
             <a:r>
-              <a:rPr lang="en-US" altLang="zh-CN" dirty="0" smtClean="0">
-                <a:latin typeface="微軟正黑體" pitchFamily="34" charset="-120"/>
-                <a:ea typeface="微軟正黑體" pitchFamily="34" charset="-120"/>
-              </a:rPr>
+              <a:rPr lang="en-US" altLang="zh-CN" dirty="0" smtClean="0"/>
               <a:t>7</a:t>
             </a:r>
             <a:r>
-              <a:rPr lang="zh-CN" altLang="en-US" dirty="0" smtClean="0">
-                <a:latin typeface="微軟正黑體" pitchFamily="34" charset="-120"/>
-                <a:ea typeface="微軟正黑體" pitchFamily="34" charset="-120"/>
-              </a:rPr>
+              <a:rPr lang="zh-CN" altLang="en-US" dirty="0" smtClean="0"/>
               <a:t>：</a:t>
             </a:r>
             <a:r>
-              <a:rPr lang="en-US" altLang="zh-CN" dirty="0" smtClean="0">
-                <a:latin typeface="微軟正黑體" pitchFamily="34" charset="-120"/>
-                <a:ea typeface="微軟正黑體" pitchFamily="34" charset="-120"/>
-              </a:rPr>
+              <a:rPr lang="en-US" altLang="zh-CN" dirty="0" smtClean="0"/>
               <a:t>14</a:t>
             </a:r>
             <a:r>
-              <a:rPr lang="zh-CN" altLang="en-US" dirty="0" smtClean="0">
-                <a:latin typeface="微軟正黑體" pitchFamily="34" charset="-120"/>
-                <a:ea typeface="微軟正黑體" pitchFamily="34" charset="-120"/>
-              </a:rPr>
+              <a:rPr lang="zh-CN" altLang="en-US" dirty="0" smtClean="0"/>
               <a:t>，</a:t>
             </a:r>
             <a:r>
-              <a:rPr lang="en-US" altLang="zh-CN" dirty="0" smtClean="0">
-                <a:latin typeface="微軟正黑體" pitchFamily="34" charset="-120"/>
-                <a:ea typeface="微軟正黑體" pitchFamily="34" charset="-120"/>
-              </a:rPr>
+              <a:rPr lang="en-US" altLang="zh-CN" dirty="0" smtClean="0"/>
               <a:t>9</a:t>
             </a:r>
             <a:r>
-              <a:rPr lang="zh-CN" altLang="en-US" dirty="0" smtClean="0">
-                <a:latin typeface="微軟正黑體" pitchFamily="34" charset="-120"/>
-                <a:ea typeface="微軟正黑體" pitchFamily="34" charset="-120"/>
-              </a:rPr>
+              <a:rPr lang="zh-CN" altLang="en-US" dirty="0" smtClean="0"/>
               <a:t>：</a:t>
             </a:r>
             <a:r>
-              <a:rPr lang="en-US" altLang="zh-CN" dirty="0" smtClean="0">
-                <a:latin typeface="微軟正黑體" pitchFamily="34" charset="-120"/>
-                <a:ea typeface="微軟正黑體" pitchFamily="34" charset="-120"/>
-              </a:rPr>
+              <a:rPr lang="en-US" altLang="zh-CN" dirty="0" smtClean="0"/>
               <a:t>6</a:t>
             </a:r>
             <a:r>
-              <a:rPr lang="zh-CN" altLang="en-US" dirty="0" smtClean="0">
-                <a:latin typeface="微軟正黑體" pitchFamily="34" charset="-120"/>
-                <a:ea typeface="微軟正黑體" pitchFamily="34" charset="-120"/>
-              </a:rPr>
+              <a:rPr lang="zh-CN" altLang="en-US" dirty="0" smtClean="0"/>
               <a:t>；太</a:t>
             </a:r>
             <a:r>
-              <a:rPr lang="en-US" altLang="zh-CN" dirty="0" smtClean="0">
-                <a:latin typeface="微軟正黑體" pitchFamily="34" charset="-120"/>
-                <a:ea typeface="微軟正黑體" pitchFamily="34" charset="-120"/>
-              </a:rPr>
+              <a:rPr lang="en-US" altLang="zh-CN" dirty="0" smtClean="0"/>
               <a:t>2</a:t>
             </a:r>
             <a:r>
-              <a:rPr lang="zh-CN" altLang="en-US" dirty="0" smtClean="0">
-                <a:latin typeface="微軟正黑體" pitchFamily="34" charset="-120"/>
-                <a:ea typeface="微軟正黑體" pitchFamily="34" charset="-120"/>
-              </a:rPr>
+              <a:rPr lang="zh-CN" altLang="en-US" dirty="0" smtClean="0"/>
               <a:t>：</a:t>
             </a:r>
             <a:r>
-              <a:rPr lang="en-US" altLang="zh-CN" dirty="0" smtClean="0">
-                <a:latin typeface="微軟正黑體" pitchFamily="34" charset="-120"/>
-                <a:ea typeface="微軟正黑體" pitchFamily="34" charset="-120"/>
-              </a:rPr>
+              <a:rPr lang="en-US" altLang="zh-CN" dirty="0" smtClean="0"/>
               <a:t>1</a:t>
             </a:r>
             <a:r>
-              <a:rPr lang="zh-CN" altLang="en-US" dirty="0" smtClean="0">
-                <a:latin typeface="微軟正黑體" pitchFamily="34" charset="-120"/>
-                <a:ea typeface="微軟正黑體" pitchFamily="34" charset="-120"/>
-              </a:rPr>
+              <a:rPr lang="zh-CN" altLang="en-US" dirty="0" smtClean="0"/>
               <a:t>；</a:t>
             </a:r>
-            <a:endParaRPr lang="en-US" altLang="zh-CN" dirty="0" smtClean="0">
-              <a:latin typeface="微軟正黑體" pitchFamily="34" charset="-120"/>
-              <a:ea typeface="微軟正黑體" pitchFamily="34" charset="-120"/>
-            </a:endParaRPr>
-          </a:p>
-          <a:p>
-            <a:r>
-              <a:rPr lang="zh-CN" altLang="en-US" dirty="0" smtClean="0">
-                <a:latin typeface="微軟正黑體" pitchFamily="34" charset="-120"/>
-                <a:ea typeface="微軟正黑體" pitchFamily="34" charset="-120"/>
-              </a:rPr>
+            <a:endParaRPr lang="en-US" altLang="zh-CN" dirty="0" smtClean="0"/>
+          </a:p>
+          <a:p>
+            <a:r>
+              <a:rPr lang="zh-CN" altLang="en-US" dirty="0" smtClean="0"/>
               <a:t>路</a:t>
             </a:r>
             <a:r>
-              <a:rPr lang="en-US" altLang="zh-CN" dirty="0" smtClean="0">
-                <a:latin typeface="微軟正黑體" pitchFamily="34" charset="-120"/>
-                <a:ea typeface="微軟正黑體" pitchFamily="34" charset="-120"/>
-              </a:rPr>
+              <a:rPr lang="en-US" altLang="zh-CN" dirty="0" smtClean="0"/>
               <a:t>2</a:t>
             </a:r>
             <a:r>
-              <a:rPr lang="zh-CN" altLang="en-US" dirty="0" smtClean="0">
-                <a:latin typeface="微軟正黑體" pitchFamily="34" charset="-120"/>
-                <a:ea typeface="微軟正黑體" pitchFamily="34" charset="-120"/>
-              </a:rPr>
+              <a:rPr lang="zh-CN" altLang="en-US" dirty="0" smtClean="0"/>
               <a:t>：</a:t>
             </a:r>
             <a:r>
-              <a:rPr lang="en-US" altLang="zh-CN" dirty="0" smtClean="0">
-                <a:latin typeface="微軟正黑體" pitchFamily="34" charset="-120"/>
-                <a:ea typeface="微軟正黑體" pitchFamily="34" charset="-120"/>
-              </a:rPr>
+              <a:rPr lang="en-US" altLang="zh-CN" dirty="0" smtClean="0"/>
               <a:t>6-7</a:t>
             </a:r>
             <a:r>
-              <a:rPr lang="zh-CN" altLang="en-US" dirty="0" smtClean="0">
-                <a:latin typeface="微軟正黑體" pitchFamily="34" charset="-120"/>
-                <a:ea typeface="微軟正黑體" pitchFamily="34" charset="-120"/>
-              </a:rPr>
+              <a:rPr lang="zh-CN" altLang="en-US" dirty="0" smtClean="0"/>
               <a:t>，</a:t>
             </a:r>
             <a:r>
-              <a:rPr lang="en-US" altLang="zh-CN" dirty="0" smtClean="0">
-                <a:latin typeface="微軟正黑體" pitchFamily="34" charset="-120"/>
-                <a:ea typeface="微軟正黑體" pitchFamily="34" charset="-120"/>
-              </a:rPr>
+              <a:rPr lang="en-US" altLang="zh-CN" dirty="0" smtClean="0"/>
               <a:t>10-11</a:t>
             </a:r>
             <a:r>
-              <a:rPr lang="zh-CN" altLang="en-US" dirty="0" smtClean="0">
-                <a:latin typeface="微軟正黑體" pitchFamily="34" charset="-120"/>
-                <a:ea typeface="微軟正黑體" pitchFamily="34" charset="-120"/>
-              </a:rPr>
+              <a:rPr lang="zh-CN" altLang="en-US" dirty="0" smtClean="0"/>
               <a:t>，</a:t>
             </a:r>
             <a:r>
-              <a:rPr lang="en-US" altLang="zh-CN" dirty="0" smtClean="0">
-                <a:latin typeface="微軟正黑體" pitchFamily="34" charset="-120"/>
-                <a:ea typeface="微軟正黑體" pitchFamily="34" charset="-120"/>
-              </a:rPr>
+              <a:rPr lang="en-US" altLang="zh-CN" dirty="0" smtClean="0"/>
               <a:t>13-14</a:t>
             </a:r>
             <a:r>
-              <a:rPr lang="zh-CN" altLang="en-US" dirty="0" smtClean="0">
-                <a:latin typeface="微軟正黑體" pitchFamily="34" charset="-120"/>
-                <a:ea typeface="微軟正黑體" pitchFamily="34" charset="-120"/>
-              </a:rPr>
+              <a:rPr lang="zh-CN" altLang="en-US" dirty="0" smtClean="0"/>
               <a:t>；</a:t>
             </a:r>
-            <a:endParaRPr lang="en-US" altLang="zh-CN" dirty="0" smtClean="0">
-              <a:latin typeface="微軟正黑體" pitchFamily="34" charset="-120"/>
-              <a:ea typeface="微軟正黑體" pitchFamily="34" charset="-120"/>
-            </a:endParaRPr>
-          </a:p>
-          <a:p>
-            <a:r>
-              <a:rPr lang="zh-CN" altLang="en-US" dirty="0" smtClean="0">
-                <a:latin typeface="微軟正黑體" pitchFamily="34" charset="-120"/>
-                <a:ea typeface="微軟正黑體" pitchFamily="34" charset="-120"/>
-              </a:rPr>
+            <a:endParaRPr lang="en-US" altLang="zh-CN" dirty="0" smtClean="0"/>
+          </a:p>
+          <a:p>
+            <a:r>
+              <a:rPr lang="zh-CN" altLang="en-US" dirty="0" smtClean="0"/>
               <a:t>太</a:t>
             </a:r>
             <a:r>
-              <a:rPr lang="en-US" altLang="zh-CN" dirty="0" smtClean="0">
-                <a:latin typeface="微軟正黑體" pitchFamily="34" charset="-120"/>
-                <a:ea typeface="微軟正黑體" pitchFamily="34" charset="-120"/>
-              </a:rPr>
+              <a:rPr lang="en-US" altLang="zh-CN" dirty="0" smtClean="0"/>
               <a:t>2</a:t>
             </a:r>
             <a:r>
-              <a:rPr lang="zh-CN" altLang="en-US" dirty="0" smtClean="0">
-                <a:latin typeface="微軟正黑體" pitchFamily="34" charset="-120"/>
-                <a:ea typeface="微軟正黑體" pitchFamily="34" charset="-120"/>
-              </a:rPr>
+              <a:rPr lang="zh-CN" altLang="en-US" dirty="0" smtClean="0"/>
               <a:t>：</a:t>
             </a:r>
             <a:r>
-              <a:rPr lang="en-US" altLang="zh-CN" dirty="0" smtClean="0">
-                <a:latin typeface="微軟正黑體" pitchFamily="34" charset="-120"/>
-                <a:ea typeface="微軟正黑體" pitchFamily="34" charset="-120"/>
-              </a:rPr>
+              <a:rPr lang="en-US" altLang="zh-CN" dirty="0" smtClean="0"/>
               <a:t>1-2</a:t>
             </a:r>
             <a:r>
-              <a:rPr lang="zh-CN" altLang="en-US" dirty="0" smtClean="0">
-                <a:latin typeface="微軟正黑體" pitchFamily="34" charset="-120"/>
-                <a:ea typeface="微軟正黑體" pitchFamily="34" charset="-120"/>
-              </a:rPr>
+              <a:rPr lang="zh-CN" altLang="en-US" dirty="0" smtClean="0"/>
               <a:t>，</a:t>
             </a:r>
             <a:r>
-              <a:rPr lang="en-US" altLang="zh-CN" dirty="0" smtClean="0">
-                <a:latin typeface="微軟正黑體" pitchFamily="34" charset="-120"/>
-                <a:ea typeface="微軟正黑體" pitchFamily="34" charset="-120"/>
-              </a:rPr>
+              <a:rPr lang="en-US" altLang="zh-CN" dirty="0" smtClean="0"/>
               <a:t>11</a:t>
             </a:r>
-            <a:endParaRPr lang="en-US" dirty="0">
-              <a:latin typeface="微軟正黑體" pitchFamily="34" charset="-120"/>
-              <a:ea typeface="微軟正黑體" pitchFamily="34" charset="-120"/>
-            </a:endParaRPr>
+            <a:endParaRPr lang="en-US" dirty="0"/>
           </a:p>
         </p:txBody>
       </p:sp>
@@ -5439,7 +5340,14 @@
                 <a:latin typeface="微軟正黑體" pitchFamily="34" charset="-120"/>
                 <a:ea typeface="微軟正黑體" pitchFamily="34" charset="-120"/>
               </a:rPr>
-              <a:t>他們在那裡的時候，馬利亞的產期到了，就生了頭胎的兒子，用布包起來，放在馬槽裡。</a:t>
+              <a:t>他們在那裡的時候，馬利亞的產期到了，就生了頭胎的兒子，用布包起來，放在馬槽裡</a:t>
+            </a:r>
+            <a:r>
+              <a:rPr lang="zh-TW" altLang="en-US" sz="5400" b="1" dirty="0" smtClean="0">
+                <a:latin typeface="微軟正黑體" pitchFamily="34" charset="-120"/>
+                <a:ea typeface="微軟正黑體" pitchFamily="34" charset="-120"/>
+              </a:rPr>
+              <a:t>。</a:t>
             </a:r>
             <a:endParaRPr lang="en-US" altLang="zh-TW" sz="5400" b="1" dirty="0" smtClean="0">
               <a:latin typeface="微軟正黑體" pitchFamily="34" charset="-120"/>

--- a/6救主降生.pptx
+++ b/6救主降生.pptx
@@ -7,11 +7,11 @@
   <p:sldIdLst>
     <p:sldId id="256" r:id="rId2"/>
     <p:sldId id="257" r:id="rId3"/>
-    <p:sldId id="258" r:id="rId4"/>
-    <p:sldId id="259" r:id="rId5"/>
-    <p:sldId id="260" r:id="rId6"/>
+    <p:sldId id="261" r:id="rId4"/>
+    <p:sldId id="262" r:id="rId5"/>
+    <p:sldId id="263" r:id="rId6"/>
   </p:sldIdLst>
-  <p:sldSz cx="9144000" cy="6858000" type="screen4x3"/>
+  <p:sldSz cx="12192000" cy="6858000"/>
   <p:notesSz cx="6858000" cy="9144000"/>
   <p:defaultTextStyle>
     <a:defPPr>
@@ -108,6 +108,22 @@
       </a:defRPr>
     </a:lvl9pPr>
   </p:defaultTextStyle>
+  <p:extLst>
+    <p:ext uri="{EFAFB233-063F-42B5-8137-9DF3F51BA10A}">
+      <p15:sldGuideLst xmlns:p15="http://schemas.microsoft.com/office/powerpoint/2012/main">
+        <p15:guide id="1" orient="horz" pos="2160" userDrawn="1">
+          <p15:clr>
+            <a:srgbClr val="A4A3A4"/>
+          </p15:clr>
+        </p15:guide>
+        <p15:guide id="2" pos="3840" userDrawn="1">
+          <p15:clr>
+            <a:srgbClr val="A4A3A4"/>
+          </p15:clr>
+        </p15:guide>
+      </p15:sldGuideLst>
+    </p:ext>
+  </p:extLst>
 </p:presentation>
 </file>
 
@@ -145,8 +161,8 @@
         </p:nvSpPr>
         <p:spPr>
           <a:xfrm>
-            <a:off x="2286000" y="3124200"/>
-            <a:ext cx="6172200" cy="1894362"/>
+            <a:off x="3048000" y="3124200"/>
+            <a:ext cx="8229600" cy="1894362"/>
           </a:xfrm>
         </p:spPr>
         <p:txBody>
@@ -177,8 +193,8 @@
         </p:nvSpPr>
         <p:spPr>
           <a:xfrm>
-            <a:off x="2286000" y="5003322"/>
-            <a:ext cx="6172200" cy="1371600"/>
+            <a:off x="3048000" y="5003322"/>
+            <a:ext cx="8229600" cy="1371600"/>
           </a:xfrm>
         </p:spPr>
         <p:txBody>
@@ -238,8 +254,8 @@
         </p:nvSpPr>
         <p:spPr bwMode="auto">
           <a:xfrm rot="5400000">
-            <a:off x="7764621" y="1174097"/>
-            <a:ext cx="2286000" cy="381000"/>
+            <a:off x="10733828" y="1110597"/>
+            <a:ext cx="2286000" cy="508000"/>
           </a:xfrm>
         </p:spPr>
         <p:txBody>
@@ -249,7 +265,7 @@
             <a:fld id="{86B5546F-C09B-4E63-ABC5-F7C86A7E8D66}" type="datetimeFigureOut">
               <a:rPr lang="en-US" smtClean="0"/>
               <a:pPr/>
-              <a:t>12/23/2017</a:t>
+              <a:t>12/21/2019</a:t>
             </a:fld>
             <a:endParaRPr lang="en-US"/>
           </a:p>
@@ -267,8 +283,8 @@
         </p:nvSpPr>
         <p:spPr bwMode="auto">
           <a:xfrm rot="5400000">
-            <a:off x="7077269" y="4181669"/>
-            <a:ext cx="3657600" cy="384048"/>
+            <a:off x="10045959" y="4117661"/>
+            <a:ext cx="3657600" cy="512064"/>
           </a:xfrm>
         </p:spPr>
         <p:txBody>
@@ -287,8 +303,8 @@
         </p:nvSpPr>
         <p:spPr bwMode="auto">
           <a:xfrm>
-            <a:off x="381000" y="0"/>
-            <a:ext cx="609600" cy="6858000"/>
+            <a:off x="508000" y="0"/>
+            <a:ext cx="812800" cy="6858000"/>
           </a:xfrm>
           <a:prstGeom prst="rect">
             <a:avLst/>
@@ -324,7 +340,7 @@
           <a:lstStyle/>
           <a:p>
             <a:pPr algn="ctr" eaLnBrk="1" latinLnBrk="0" hangingPunct="1"/>
-            <a:endParaRPr kumimoji="0" lang="en-US"/>
+            <a:endParaRPr kumimoji="0" lang="en-US" sz="1800"/>
           </a:p>
         </p:txBody>
       </p:sp>
@@ -336,8 +352,8 @@
         </p:nvSpPr>
         <p:spPr bwMode="auto">
           <a:xfrm>
-            <a:off x="276336" y="0"/>
-            <a:ext cx="104664" cy="6858000"/>
+            <a:off x="368448" y="0"/>
+            <a:ext cx="139552" cy="6858000"/>
           </a:xfrm>
           <a:prstGeom prst="rect">
             <a:avLst/>
@@ -373,7 +389,7 @@
           <a:lstStyle/>
           <a:p>
             <a:pPr algn="ctr" eaLnBrk="1" latinLnBrk="0" hangingPunct="1"/>
-            <a:endParaRPr kumimoji="0" lang="en-US"/>
+            <a:endParaRPr kumimoji="0" lang="en-US" sz="1800"/>
           </a:p>
         </p:txBody>
       </p:sp>
@@ -385,8 +401,8 @@
         </p:nvSpPr>
         <p:spPr bwMode="auto">
           <a:xfrm>
-            <a:off x="990600" y="0"/>
-            <a:ext cx="181872" cy="6858000"/>
+            <a:off x="1320800" y="0"/>
+            <a:ext cx="242496" cy="6858000"/>
           </a:xfrm>
           <a:prstGeom prst="rect">
             <a:avLst/>
@@ -422,7 +438,7 @@
           <a:lstStyle/>
           <a:p>
             <a:pPr algn="ctr" eaLnBrk="1" latinLnBrk="0" hangingPunct="1"/>
-            <a:endParaRPr kumimoji="0" lang="en-US"/>
+            <a:endParaRPr kumimoji="0" lang="en-US" sz="1800"/>
           </a:p>
         </p:txBody>
       </p:sp>
@@ -434,8 +450,8 @@
         </p:nvSpPr>
         <p:spPr bwMode="auto">
           <a:xfrm>
-            <a:off x="1141320" y="0"/>
-            <a:ext cx="230280" cy="6858000"/>
+            <a:off x="1521760" y="0"/>
+            <a:ext cx="307040" cy="6858000"/>
           </a:xfrm>
           <a:prstGeom prst="rect">
             <a:avLst/>
@@ -471,7 +487,7 @@
           <a:lstStyle/>
           <a:p>
             <a:pPr algn="ctr" eaLnBrk="1" latinLnBrk="0" hangingPunct="1"/>
-            <a:endParaRPr kumimoji="0" lang="en-US"/>
+            <a:endParaRPr kumimoji="0" lang="en-US" sz="1800"/>
           </a:p>
         </p:txBody>
       </p:sp>
@@ -485,7 +501,7 @@
         </p:nvSpPr>
         <p:spPr bwMode="auto">
           <a:xfrm>
-            <a:off x="106344" y="0"/>
+            <a:off x="141792" y="0"/>
             <a:ext cx="0" cy="6858000"/>
           </a:xfrm>
           <a:prstGeom prst="line">
@@ -510,7 +526,7 @@
           <a:bodyPr vert="horz" wrap="square" lIns="91440" tIns="45720" rIns="91440" bIns="45720" anchor="t" compatLnSpc="1"/>
           <a:lstStyle/>
           <a:p>
-            <a:endParaRPr kumimoji="0" lang="en-US"/>
+            <a:endParaRPr kumimoji="0" lang="en-US" sz="1800"/>
           </a:p>
         </p:txBody>
       </p:sp>
@@ -524,7 +540,7 @@
         </p:nvSpPr>
         <p:spPr bwMode="auto">
           <a:xfrm>
-            <a:off x="914400" y="0"/>
+            <a:off x="1219200" y="0"/>
             <a:ext cx="0" cy="6858000"/>
           </a:xfrm>
           <a:prstGeom prst="line">
@@ -549,7 +565,7 @@
           <a:bodyPr vert="horz" wrap="square" lIns="91440" tIns="45720" rIns="91440" bIns="45720" anchor="t" compatLnSpc="1"/>
           <a:lstStyle/>
           <a:p>
-            <a:endParaRPr kumimoji="0" lang="en-US"/>
+            <a:endParaRPr kumimoji="0" lang="en-US" sz="1800"/>
           </a:p>
         </p:txBody>
       </p:sp>
@@ -563,7 +579,7 @@
         </p:nvSpPr>
         <p:spPr bwMode="auto">
           <a:xfrm>
-            <a:off x="854112" y="0"/>
+            <a:off x="1138816" y="0"/>
             <a:ext cx="0" cy="6858000"/>
           </a:xfrm>
           <a:prstGeom prst="line">
@@ -587,7 +603,7 @@
           <a:bodyPr vert="horz" wrap="square" lIns="91440" tIns="45720" rIns="91440" bIns="45720" anchor="t" compatLnSpc="1"/>
           <a:lstStyle/>
           <a:p>
-            <a:endParaRPr kumimoji="0" lang="en-US"/>
+            <a:endParaRPr kumimoji="0" lang="en-US" sz="1800"/>
           </a:p>
         </p:txBody>
       </p:sp>
@@ -601,7 +617,7 @@
         </p:nvSpPr>
         <p:spPr bwMode="auto">
           <a:xfrm>
-            <a:off x="1726640" y="0"/>
+            <a:off x="2302187" y="0"/>
             <a:ext cx="0" cy="6858000"/>
           </a:xfrm>
           <a:prstGeom prst="line">
@@ -626,7 +642,7 @@
           <a:bodyPr vert="horz" wrap="square" lIns="91440" tIns="45720" rIns="91440" bIns="45720" anchor="t" compatLnSpc="1"/>
           <a:lstStyle/>
           <a:p>
-            <a:endParaRPr kumimoji="0" lang="en-US"/>
+            <a:endParaRPr kumimoji="0" lang="en-US" sz="1800"/>
           </a:p>
         </p:txBody>
       </p:sp>
@@ -640,7 +656,7 @@
         </p:nvSpPr>
         <p:spPr bwMode="auto">
           <a:xfrm>
-            <a:off x="1066800" y="0"/>
+            <a:off x="1422400" y="0"/>
             <a:ext cx="0" cy="6858000"/>
           </a:xfrm>
           <a:prstGeom prst="line">
@@ -664,7 +680,7 @@
           <a:bodyPr vert="horz" wrap="square" lIns="91440" tIns="45720" rIns="91440" bIns="45720" anchor="t" compatLnSpc="1"/>
           <a:lstStyle/>
           <a:p>
-            <a:endParaRPr kumimoji="0" lang="en-US"/>
+            <a:endParaRPr kumimoji="0" lang="en-US" sz="1800"/>
           </a:p>
         </p:txBody>
       </p:sp>
@@ -678,7 +694,7 @@
         </p:nvSpPr>
         <p:spPr bwMode="auto">
           <a:xfrm>
-            <a:off x="9113856" y="0"/>
+            <a:off x="12151808" y="0"/>
             <a:ext cx="0" cy="6858000"/>
           </a:xfrm>
           <a:prstGeom prst="line">
@@ -702,7 +718,7 @@
           <a:bodyPr vert="horz" wrap="square" lIns="91440" tIns="45720" rIns="91440" bIns="45720" anchor="t" compatLnSpc="1"/>
           <a:lstStyle/>
           <a:p>
-            <a:endParaRPr kumimoji="0" lang="en-US"/>
+            <a:endParaRPr kumimoji="0" lang="en-US" sz="1800"/>
           </a:p>
         </p:txBody>
       </p:sp>
@@ -714,8 +730,8 @@
         </p:nvSpPr>
         <p:spPr bwMode="auto">
           <a:xfrm>
-            <a:off x="1219200" y="0"/>
-            <a:ext cx="76200" cy="6858000"/>
+            <a:off x="1625600" y="0"/>
+            <a:ext cx="101600" cy="6858000"/>
           </a:xfrm>
           <a:prstGeom prst="rect">
             <a:avLst/>
@@ -751,7 +767,7 @@
           <a:lstStyle/>
           <a:p>
             <a:pPr algn="ctr" eaLnBrk="1" latinLnBrk="0" hangingPunct="1"/>
-            <a:endParaRPr kumimoji="0" lang="en-US" dirty="0"/>
+            <a:endParaRPr kumimoji="0" lang="en-US" sz="1800" dirty="0"/>
           </a:p>
         </p:txBody>
       </p:sp>
@@ -763,8 +779,8 @@
         </p:nvSpPr>
         <p:spPr bwMode="auto">
           <a:xfrm>
-            <a:off x="609600" y="3429000"/>
-            <a:ext cx="1295400" cy="1295400"/>
+            <a:off x="812800" y="3429000"/>
+            <a:ext cx="1727200" cy="1295400"/>
           </a:xfrm>
           <a:prstGeom prst="ellipse">
             <a:avLst/>
@@ -797,7 +813,7 @@
           <a:lstStyle/>
           <a:p>
             <a:pPr algn="ctr" eaLnBrk="1" latinLnBrk="0" hangingPunct="1"/>
-            <a:endParaRPr kumimoji="0" lang="en-US" dirty="0"/>
+            <a:endParaRPr kumimoji="0" lang="en-US" sz="1800" dirty="0"/>
           </a:p>
         </p:txBody>
       </p:sp>
@@ -809,8 +825,8 @@
         </p:nvSpPr>
         <p:spPr bwMode="auto">
           <a:xfrm>
-            <a:off x="1309632" y="4866752"/>
-            <a:ext cx="641424" cy="641424"/>
+            <a:off x="1746176" y="4866752"/>
+            <a:ext cx="855232" cy="641424"/>
           </a:xfrm>
           <a:prstGeom prst="ellipse">
             <a:avLst/>
@@ -840,7 +856,7 @@
           <a:lstStyle/>
           <a:p>
             <a:pPr algn="ctr" eaLnBrk="1" latinLnBrk="0" hangingPunct="1"/>
-            <a:endParaRPr kumimoji="0" lang="en-US" dirty="0"/>
+            <a:endParaRPr kumimoji="0" lang="en-US" sz="1800" dirty="0"/>
           </a:p>
         </p:txBody>
       </p:sp>
@@ -852,8 +868,8 @@
         </p:nvSpPr>
         <p:spPr bwMode="auto">
           <a:xfrm>
-            <a:off x="1091080" y="5500632"/>
-            <a:ext cx="137160" cy="137160"/>
+            <a:off x="1454773" y="5500632"/>
+            <a:ext cx="182880" cy="137160"/>
           </a:xfrm>
           <a:prstGeom prst="ellipse">
             <a:avLst/>
@@ -883,7 +899,7 @@
           <a:lstStyle/>
           <a:p>
             <a:pPr algn="ctr" eaLnBrk="1" latinLnBrk="0" hangingPunct="1"/>
-            <a:endParaRPr kumimoji="0" lang="en-US" dirty="0"/>
+            <a:endParaRPr kumimoji="0" lang="en-US" sz="1800" dirty="0"/>
           </a:p>
         </p:txBody>
       </p:sp>
@@ -895,8 +911,8 @@
         </p:nvSpPr>
         <p:spPr bwMode="auto">
           <a:xfrm>
-            <a:off x="1664208" y="5788152"/>
-            <a:ext cx="274320" cy="274320"/>
+            <a:off x="2218944" y="5788152"/>
+            <a:ext cx="365760" cy="274320"/>
           </a:xfrm>
           <a:prstGeom prst="ellipse">
             <a:avLst/>
@@ -926,7 +942,7 @@
           <a:lstStyle/>
           <a:p>
             <a:pPr algn="ctr" eaLnBrk="1" latinLnBrk="0" hangingPunct="1"/>
-            <a:endParaRPr kumimoji="0" lang="en-US" dirty="0"/>
+            <a:endParaRPr kumimoji="0" lang="en-US" sz="1800" dirty="0"/>
           </a:p>
         </p:txBody>
       </p:sp>
@@ -938,8 +954,8 @@
         </p:nvSpPr>
         <p:spPr>
           <a:xfrm>
-            <a:off x="1905000" y="4495800"/>
-            <a:ext cx="365760" cy="365760"/>
+            <a:off x="2540000" y="4495800"/>
+            <a:ext cx="487680" cy="365760"/>
           </a:xfrm>
           <a:prstGeom prst="ellipse">
             <a:avLst/>
@@ -969,7 +985,7 @@
           <a:lstStyle/>
           <a:p>
             <a:pPr algn="ctr" eaLnBrk="1" latinLnBrk="0" hangingPunct="1"/>
-            <a:endParaRPr kumimoji="0" lang="en-US" dirty="0"/>
+            <a:endParaRPr kumimoji="0" lang="en-US" sz="1800" dirty="0"/>
           </a:p>
         </p:txBody>
       </p:sp>
@@ -985,8 +1001,8 @@
         </p:nvSpPr>
         <p:spPr bwMode="auto">
           <a:xfrm>
-            <a:off x="1325544" y="4928702"/>
-            <a:ext cx="609600" cy="517524"/>
+            <a:off x="1767392" y="4928702"/>
+            <a:ext cx="812800" cy="517524"/>
           </a:xfrm>
         </p:spPr>
         <p:txBody>
@@ -1120,7 +1136,7 @@
             <a:fld id="{86B5546F-C09B-4E63-ABC5-F7C86A7E8D66}" type="datetimeFigureOut">
               <a:rPr lang="en-US" smtClean="0"/>
               <a:pPr/>
-              <a:t>12/23/2017</a:t>
+              <a:t>12/21/2019</a:t>
             </a:fld>
             <a:endParaRPr lang="en-US"/>
           </a:p>
@@ -1206,8 +1222,8 @@
         </p:nvSpPr>
         <p:spPr>
           <a:xfrm>
-            <a:off x="6629400" y="274639"/>
-            <a:ext cx="1676400" cy="5851525"/>
+            <a:off x="8839200" y="274640"/>
+            <a:ext cx="2235200" cy="5851525"/>
           </a:xfrm>
         </p:spPr>
         <p:txBody>
@@ -1234,8 +1250,8 @@
         </p:nvSpPr>
         <p:spPr>
           <a:xfrm>
-            <a:off x="457200" y="274638"/>
-            <a:ext cx="6019800" cy="5851525"/>
+            <a:off x="609600" y="274639"/>
+            <a:ext cx="8026400" cy="5851525"/>
           </a:xfrm>
         </p:spPr>
         <p:txBody>
@@ -1297,7 +1313,7 @@
             <a:fld id="{86B5546F-C09B-4E63-ABC5-F7C86A7E8D66}" type="datetimeFigureOut">
               <a:rPr lang="en-US" smtClean="0"/>
               <a:pPr/>
-              <a:t>12/23/2017</a:t>
+              <a:t>12/21/2019</a:t>
             </a:fld>
             <a:endParaRPr lang="en-US"/>
           </a:p>
@@ -1406,8 +1422,8 @@
         </p:nvSpPr>
         <p:spPr>
           <a:xfrm>
-            <a:off x="457200" y="1600200"/>
-            <a:ext cx="7467600" cy="4873752"/>
+            <a:off x="609600" y="1600200"/>
+            <a:ext cx="9956800" cy="4873752"/>
           </a:xfrm>
         </p:spPr>
         <p:txBody>
@@ -1469,7 +1485,7 @@
             <a:fld id="{86B5546F-C09B-4E63-ABC5-F7C86A7E8D66}" type="datetimeFigureOut">
               <a:rPr lang="en-US" smtClean="0"/>
               <a:pPr/>
-              <a:t>12/23/2017</a:t>
+              <a:t>12/21/2019</a:t>
             </a:fld>
             <a:endParaRPr lang="en-US"/>
           </a:p>
@@ -1560,8 +1576,8 @@
         </p:nvSpPr>
         <p:spPr>
           <a:xfrm>
-            <a:off x="2286000" y="2895600"/>
-            <a:ext cx="6172200" cy="2053590"/>
+            <a:off x="3048000" y="2895600"/>
+            <a:ext cx="8229600" cy="2053590"/>
           </a:xfrm>
         </p:spPr>
         <p:txBody>
@@ -1593,8 +1609,8 @@
         </p:nvSpPr>
         <p:spPr>
           <a:xfrm>
-            <a:off x="2286000" y="5010150"/>
-            <a:ext cx="6172200" cy="1371600"/>
+            <a:off x="3048000" y="5010150"/>
+            <a:ext cx="8229600" cy="1371600"/>
           </a:xfrm>
         </p:spPr>
         <p:txBody>
@@ -1670,8 +1686,8 @@
         </p:nvSpPr>
         <p:spPr bwMode="auto">
           <a:xfrm rot="5400000">
-            <a:off x="7763256" y="1170432"/>
-            <a:ext cx="2286000" cy="381000"/>
+            <a:off x="10732008" y="1106932"/>
+            <a:ext cx="2286000" cy="508000"/>
           </a:xfrm>
         </p:spPr>
         <p:txBody>
@@ -1681,7 +1697,7 @@
             <a:fld id="{86B5546F-C09B-4E63-ABC5-F7C86A7E8D66}" type="datetimeFigureOut">
               <a:rPr lang="en-US" smtClean="0"/>
               <a:pPr/>
-              <a:t>12/23/2017</a:t>
+              <a:t>12/21/2019</a:t>
             </a:fld>
             <a:endParaRPr lang="en-US"/>
           </a:p>
@@ -1699,8 +1715,8 @@
         </p:nvSpPr>
         <p:spPr bwMode="auto">
           <a:xfrm rot="5400000">
-            <a:off x="7077456" y="4178808"/>
-            <a:ext cx="3657600" cy="384048"/>
+            <a:off x="10046208" y="4114800"/>
+            <a:ext cx="3657600" cy="512064"/>
           </a:xfrm>
         </p:spPr>
         <p:txBody>
@@ -1719,8 +1735,8 @@
         </p:nvSpPr>
         <p:spPr bwMode="auto">
           <a:xfrm>
-            <a:off x="381000" y="0"/>
-            <a:ext cx="609600" cy="6858000"/>
+            <a:off x="508000" y="0"/>
+            <a:ext cx="812800" cy="6858000"/>
           </a:xfrm>
           <a:prstGeom prst="rect">
             <a:avLst/>
@@ -1756,7 +1772,7 @@
           <a:lstStyle/>
           <a:p>
             <a:pPr algn="ctr" eaLnBrk="1" latinLnBrk="0" hangingPunct="1"/>
-            <a:endParaRPr kumimoji="0" lang="en-US"/>
+            <a:endParaRPr kumimoji="0" lang="en-US" sz="1800"/>
           </a:p>
         </p:txBody>
       </p:sp>
@@ -1768,8 +1784,8 @@
         </p:nvSpPr>
         <p:spPr bwMode="auto">
           <a:xfrm>
-            <a:off x="276336" y="0"/>
-            <a:ext cx="104664" cy="6858000"/>
+            <a:off x="368448" y="0"/>
+            <a:ext cx="139552" cy="6858000"/>
           </a:xfrm>
           <a:prstGeom prst="rect">
             <a:avLst/>
@@ -1805,7 +1821,7 @@
           <a:lstStyle/>
           <a:p>
             <a:pPr algn="ctr" eaLnBrk="1" latinLnBrk="0" hangingPunct="1"/>
-            <a:endParaRPr kumimoji="0" lang="en-US"/>
+            <a:endParaRPr kumimoji="0" lang="en-US" sz="1800"/>
           </a:p>
         </p:txBody>
       </p:sp>
@@ -1817,8 +1833,8 @@
         </p:nvSpPr>
         <p:spPr bwMode="auto">
           <a:xfrm>
-            <a:off x="990600" y="0"/>
-            <a:ext cx="181872" cy="6858000"/>
+            <a:off x="1320800" y="0"/>
+            <a:ext cx="242496" cy="6858000"/>
           </a:xfrm>
           <a:prstGeom prst="rect">
             <a:avLst/>
@@ -1854,7 +1870,7 @@
           <a:lstStyle/>
           <a:p>
             <a:pPr algn="ctr" eaLnBrk="1" latinLnBrk="0" hangingPunct="1"/>
-            <a:endParaRPr kumimoji="0" lang="en-US"/>
+            <a:endParaRPr kumimoji="0" lang="en-US" sz="1800"/>
           </a:p>
         </p:txBody>
       </p:sp>
@@ -1866,8 +1882,8 @@
         </p:nvSpPr>
         <p:spPr bwMode="auto">
           <a:xfrm>
-            <a:off x="1141320" y="0"/>
-            <a:ext cx="230280" cy="6858000"/>
+            <a:off x="1521760" y="0"/>
+            <a:ext cx="307040" cy="6858000"/>
           </a:xfrm>
           <a:prstGeom prst="rect">
             <a:avLst/>
@@ -1903,7 +1919,7 @@
           <a:lstStyle/>
           <a:p>
             <a:pPr algn="ctr" eaLnBrk="1" latinLnBrk="0" hangingPunct="1"/>
-            <a:endParaRPr kumimoji="0" lang="en-US"/>
+            <a:endParaRPr kumimoji="0" lang="en-US" sz="1800"/>
           </a:p>
         </p:txBody>
       </p:sp>
@@ -1917,7 +1933,7 @@
         </p:nvSpPr>
         <p:spPr bwMode="auto">
           <a:xfrm>
-            <a:off x="106344" y="0"/>
+            <a:off x="141792" y="0"/>
             <a:ext cx="0" cy="6858000"/>
           </a:xfrm>
           <a:prstGeom prst="line">
@@ -1942,7 +1958,7 @@
           <a:bodyPr vert="horz" wrap="square" lIns="91440" tIns="45720" rIns="91440" bIns="45720" anchor="t" compatLnSpc="1"/>
           <a:lstStyle/>
           <a:p>
-            <a:endParaRPr kumimoji="0" lang="en-US"/>
+            <a:endParaRPr kumimoji="0" lang="en-US" sz="1800"/>
           </a:p>
         </p:txBody>
       </p:sp>
@@ -1956,7 +1972,7 @@
         </p:nvSpPr>
         <p:spPr bwMode="auto">
           <a:xfrm>
-            <a:off x="914400" y="0"/>
+            <a:off x="1219200" y="0"/>
             <a:ext cx="0" cy="6858000"/>
           </a:xfrm>
           <a:prstGeom prst="line">
@@ -1981,7 +1997,7 @@
           <a:bodyPr vert="horz" wrap="square" lIns="91440" tIns="45720" rIns="91440" bIns="45720" anchor="t" compatLnSpc="1"/>
           <a:lstStyle/>
           <a:p>
-            <a:endParaRPr kumimoji="0" lang="en-US"/>
+            <a:endParaRPr kumimoji="0" lang="en-US" sz="1800"/>
           </a:p>
         </p:txBody>
       </p:sp>
@@ -1995,7 +2011,7 @@
         </p:nvSpPr>
         <p:spPr bwMode="auto">
           <a:xfrm>
-            <a:off x="854112" y="0"/>
+            <a:off x="1138816" y="0"/>
             <a:ext cx="0" cy="6858000"/>
           </a:xfrm>
           <a:prstGeom prst="line">
@@ -2019,7 +2035,7 @@
           <a:bodyPr vert="horz" wrap="square" lIns="91440" tIns="45720" rIns="91440" bIns="45720" anchor="t" compatLnSpc="1"/>
           <a:lstStyle/>
           <a:p>
-            <a:endParaRPr kumimoji="0" lang="en-US"/>
+            <a:endParaRPr kumimoji="0" lang="en-US" sz="1800"/>
           </a:p>
         </p:txBody>
       </p:sp>
@@ -2033,7 +2049,7 @@
         </p:nvSpPr>
         <p:spPr bwMode="auto">
           <a:xfrm>
-            <a:off x="1726640" y="0"/>
+            <a:off x="2302187" y="0"/>
             <a:ext cx="0" cy="6858000"/>
           </a:xfrm>
           <a:prstGeom prst="line">
@@ -2058,7 +2074,7 @@
           <a:bodyPr vert="horz" wrap="square" lIns="91440" tIns="45720" rIns="91440" bIns="45720" anchor="t" compatLnSpc="1"/>
           <a:lstStyle/>
           <a:p>
-            <a:endParaRPr kumimoji="0" lang="en-US"/>
+            <a:endParaRPr kumimoji="0" lang="en-US" sz="1800"/>
           </a:p>
         </p:txBody>
       </p:sp>
@@ -2072,7 +2088,7 @@
         </p:nvSpPr>
         <p:spPr bwMode="auto">
           <a:xfrm>
-            <a:off x="1066800" y="0"/>
+            <a:off x="1422400" y="0"/>
             <a:ext cx="0" cy="6858000"/>
           </a:xfrm>
           <a:prstGeom prst="line">
@@ -2096,7 +2112,7 @@
           <a:bodyPr vert="horz" wrap="square" lIns="91440" tIns="45720" rIns="91440" bIns="45720" anchor="t" compatLnSpc="1"/>
           <a:lstStyle/>
           <a:p>
-            <a:endParaRPr kumimoji="0" lang="en-US"/>
+            <a:endParaRPr kumimoji="0" lang="en-US" sz="1800"/>
           </a:p>
         </p:txBody>
       </p:sp>
@@ -2108,8 +2124,8 @@
         </p:nvSpPr>
         <p:spPr bwMode="auto">
           <a:xfrm>
-            <a:off x="1219200" y="0"/>
-            <a:ext cx="76200" cy="6858000"/>
+            <a:off x="1625600" y="0"/>
+            <a:ext cx="101600" cy="6858000"/>
           </a:xfrm>
           <a:prstGeom prst="rect">
             <a:avLst/>
@@ -2145,7 +2161,7 @@
           <a:lstStyle/>
           <a:p>
             <a:pPr algn="ctr" eaLnBrk="1" latinLnBrk="0" hangingPunct="1"/>
-            <a:endParaRPr kumimoji="0" lang="en-US" dirty="0"/>
+            <a:endParaRPr kumimoji="0" lang="en-US" sz="1800" dirty="0"/>
           </a:p>
         </p:txBody>
       </p:sp>
@@ -2157,8 +2173,8 @@
         </p:nvSpPr>
         <p:spPr bwMode="auto">
           <a:xfrm>
-            <a:off x="609600" y="3429000"/>
-            <a:ext cx="1295400" cy="1295400"/>
+            <a:off x="812800" y="3429000"/>
+            <a:ext cx="1727200" cy="1295400"/>
           </a:xfrm>
           <a:prstGeom prst="ellipse">
             <a:avLst/>
@@ -2188,7 +2204,7 @@
           <a:lstStyle/>
           <a:p>
             <a:pPr algn="ctr" eaLnBrk="1" latinLnBrk="0" hangingPunct="1"/>
-            <a:endParaRPr kumimoji="0" lang="en-US" dirty="0"/>
+            <a:endParaRPr kumimoji="0" lang="en-US" sz="1800" dirty="0"/>
           </a:p>
         </p:txBody>
       </p:sp>
@@ -2200,8 +2216,8 @@
         </p:nvSpPr>
         <p:spPr bwMode="auto">
           <a:xfrm>
-            <a:off x="1324704" y="4866752"/>
-            <a:ext cx="641424" cy="641424"/>
+            <a:off x="1766272" y="4866752"/>
+            <a:ext cx="855232" cy="641424"/>
           </a:xfrm>
           <a:prstGeom prst="ellipse">
             <a:avLst/>
@@ -2231,7 +2247,7 @@
           <a:lstStyle/>
           <a:p>
             <a:pPr algn="ctr" eaLnBrk="1" latinLnBrk="0" hangingPunct="1"/>
-            <a:endParaRPr kumimoji="0" lang="en-US" dirty="0"/>
+            <a:endParaRPr kumimoji="0" lang="en-US" sz="1800" dirty="0"/>
           </a:p>
         </p:txBody>
       </p:sp>
@@ -2243,8 +2259,8 @@
         </p:nvSpPr>
         <p:spPr bwMode="auto">
           <a:xfrm>
-            <a:off x="1091080" y="5500632"/>
-            <a:ext cx="137160" cy="137160"/>
+            <a:off x="1454773" y="5500632"/>
+            <a:ext cx="182880" cy="137160"/>
           </a:xfrm>
           <a:prstGeom prst="ellipse">
             <a:avLst/>
@@ -2274,7 +2290,7 @@
           <a:lstStyle/>
           <a:p>
             <a:pPr algn="ctr" eaLnBrk="1" latinLnBrk="0" hangingPunct="1"/>
-            <a:endParaRPr kumimoji="0" lang="en-US" dirty="0"/>
+            <a:endParaRPr kumimoji="0" lang="en-US" sz="1800" dirty="0"/>
           </a:p>
         </p:txBody>
       </p:sp>
@@ -2286,8 +2302,8 @@
         </p:nvSpPr>
         <p:spPr bwMode="auto">
           <a:xfrm>
-            <a:off x="1664208" y="5791200"/>
-            <a:ext cx="274320" cy="274320"/>
+            <a:off x="2218944" y="5791200"/>
+            <a:ext cx="365760" cy="274320"/>
           </a:xfrm>
           <a:prstGeom prst="ellipse">
             <a:avLst/>
@@ -2317,7 +2333,7 @@
           <a:lstStyle/>
           <a:p>
             <a:pPr algn="ctr" eaLnBrk="1" latinLnBrk="0" hangingPunct="1"/>
-            <a:endParaRPr kumimoji="0" lang="en-US" dirty="0"/>
+            <a:endParaRPr kumimoji="0" lang="en-US" sz="1800" dirty="0"/>
           </a:p>
         </p:txBody>
       </p:sp>
@@ -2329,8 +2345,8 @@
         </p:nvSpPr>
         <p:spPr bwMode="auto">
           <a:xfrm>
-            <a:off x="1879040" y="4479888"/>
-            <a:ext cx="365760" cy="365760"/>
+            <a:off x="2505387" y="4479888"/>
+            <a:ext cx="487680" cy="365760"/>
           </a:xfrm>
           <a:prstGeom prst="ellipse">
             <a:avLst/>
@@ -2360,7 +2376,7 @@
           <a:lstStyle/>
           <a:p>
             <a:pPr algn="ctr" eaLnBrk="1" latinLnBrk="0" hangingPunct="1"/>
-            <a:endParaRPr kumimoji="0" lang="en-US" dirty="0"/>
+            <a:endParaRPr kumimoji="0" lang="en-US" sz="1800" dirty="0"/>
           </a:p>
         </p:txBody>
       </p:sp>
@@ -2374,7 +2390,7 @@
         </p:nvSpPr>
         <p:spPr bwMode="auto">
           <a:xfrm>
-            <a:off x="9097944" y="0"/>
+            <a:off x="12130592" y="0"/>
             <a:ext cx="0" cy="6858000"/>
           </a:xfrm>
           <a:prstGeom prst="line">
@@ -2398,7 +2414,7 @@
           <a:bodyPr vert="horz" wrap="square" lIns="91440" tIns="45720" rIns="91440" bIns="45720" anchor="t" compatLnSpc="1"/>
           <a:lstStyle/>
           <a:p>
-            <a:endParaRPr kumimoji="0" lang="en-US"/>
+            <a:endParaRPr kumimoji="0" lang="en-US" sz="1800"/>
           </a:p>
         </p:txBody>
       </p:sp>
@@ -2414,8 +2430,8 @@
         </p:nvSpPr>
         <p:spPr bwMode="auto">
           <a:xfrm>
-            <a:off x="1340616" y="4928702"/>
-            <a:ext cx="609600" cy="517524"/>
+            <a:off x="1787488" y="4928702"/>
+            <a:ext cx="812800" cy="517524"/>
           </a:xfrm>
         </p:spPr>
         <p:txBody>
@@ -2497,7 +2513,7 @@
             <a:fld id="{86B5546F-C09B-4E63-ABC5-F7C86A7E8D66}" type="datetimeFigureOut">
               <a:rPr lang="en-US" smtClean="0"/>
               <a:pPr/>
-              <a:t>12/23/2017</a:t>
+              <a:t>12/21/2019</a:t>
             </a:fld>
             <a:endParaRPr lang="en-US"/>
           </a:p>
@@ -2558,8 +2574,8 @@
         </p:nvSpPr>
         <p:spPr>
           <a:xfrm>
-            <a:off x="457200" y="1600200"/>
-            <a:ext cx="3657600" cy="4572000"/>
+            <a:off x="609600" y="1600200"/>
+            <a:ext cx="4876800" cy="4572000"/>
           </a:xfrm>
         </p:spPr>
         <p:txBody>
@@ -2615,8 +2631,8 @@
         </p:nvSpPr>
         <p:spPr>
           <a:xfrm>
-            <a:off x="4270248" y="1600200"/>
-            <a:ext cx="3657600" cy="4572000"/>
+            <a:off x="5693664" y="1600200"/>
+            <a:ext cx="4876800" cy="4572000"/>
           </a:xfrm>
         </p:spPr>
         <p:txBody>
@@ -2697,8 +2713,8 @@
         </p:nvSpPr>
         <p:spPr>
           <a:xfrm>
-            <a:off x="457200" y="273050"/>
-            <a:ext cx="7543800" cy="1143000"/>
+            <a:off x="609600" y="273050"/>
+            <a:ext cx="10058400" cy="1143000"/>
           </a:xfrm>
         </p:spPr>
         <p:txBody>
@@ -2735,7 +2751,7 @@
             <a:fld id="{86B5546F-C09B-4E63-ABC5-F7C86A7E8D66}" type="datetimeFigureOut">
               <a:rPr lang="en-US" smtClean="0"/>
               <a:pPr/>
-              <a:t>12/23/2017</a:t>
+              <a:t>12/21/2019</a:t>
             </a:fld>
             <a:endParaRPr lang="en-US"/>
           </a:p>
@@ -2796,8 +2812,8 @@
         </p:nvSpPr>
         <p:spPr>
           <a:xfrm>
-            <a:off x="457200" y="2362200"/>
-            <a:ext cx="3657600" cy="3886200"/>
+            <a:off x="609600" y="2362200"/>
+            <a:ext cx="4876800" cy="3886200"/>
           </a:xfrm>
         </p:spPr>
         <p:txBody>
@@ -2853,8 +2869,8 @@
         </p:nvSpPr>
         <p:spPr>
           <a:xfrm>
-            <a:off x="4371975" y="2362200"/>
-            <a:ext cx="3657600" cy="3886200"/>
+            <a:off x="5829300" y="2362200"/>
+            <a:ext cx="4876800" cy="3886200"/>
           </a:xfrm>
         </p:spPr>
         <p:txBody>
@@ -2910,8 +2926,8 @@
         </p:nvSpPr>
         <p:spPr>
           <a:xfrm>
-            <a:off x="457200" y="1569720"/>
-            <a:ext cx="3657600" cy="658368"/>
+            <a:off x="609600" y="1569720"/>
+            <a:ext cx="4876800" cy="658368"/>
           </a:xfrm>
           <a:prstGeom prst="roundRect">
             <a:avLst>
@@ -2958,8 +2974,8 @@
         </p:nvSpPr>
         <p:spPr>
           <a:xfrm>
-            <a:off x="4343400" y="1569720"/>
-            <a:ext cx="3657600" cy="658368"/>
+            <a:off x="5791200" y="1569720"/>
+            <a:ext cx="4876800" cy="658368"/>
           </a:xfrm>
           <a:prstGeom prst="roundRect">
             <a:avLst>
@@ -3060,7 +3076,7 @@
             <a:fld id="{86B5546F-C09B-4E63-ABC5-F7C86A7E8D66}" type="datetimeFigureOut">
               <a:rPr lang="en-US" smtClean="0"/>
               <a:pPr/>
-              <a:t>12/23/2017</a:t>
+              <a:t>12/21/2019</a:t>
             </a:fld>
             <a:endParaRPr lang="en-US"/>
           </a:p>
@@ -3152,7 +3168,7 @@
             <a:fld id="{86B5546F-C09B-4E63-ABC5-F7C86A7E8D66}" type="datetimeFigureOut">
               <a:rPr lang="en-US" smtClean="0"/>
               <a:pPr/>
-              <a:t>12/23/2017</a:t>
+              <a:t>12/21/2019</a:t>
             </a:fld>
             <a:endParaRPr lang="en-US"/>
           </a:p>
@@ -3241,7 +3257,7 @@
         </p:nvSpPr>
         <p:spPr bwMode="auto">
           <a:xfrm>
-            <a:off x="8763000" y="0"/>
+            <a:off x="11684000" y="0"/>
             <a:ext cx="0" cy="6858000"/>
           </a:xfrm>
           <a:prstGeom prst="line">
@@ -3266,7 +3282,7 @@
           <a:bodyPr vert="horz" wrap="square" lIns="91440" tIns="45720" rIns="91440" bIns="45720" anchor="t" compatLnSpc="1"/>
           <a:lstStyle/>
           <a:p>
-            <a:endParaRPr kumimoji="0" lang="en-US" dirty="0"/>
+            <a:endParaRPr kumimoji="0" lang="en-US" sz="1800" dirty="0"/>
           </a:p>
         </p:txBody>
       </p:sp>
@@ -3282,8 +3298,8 @@
         </p:nvSpPr>
         <p:spPr>
           <a:xfrm rot="5400000">
-            <a:off x="3371850" y="3200400"/>
-            <a:ext cx="6309360" cy="457200"/>
+            <a:off x="5547360" y="3124200"/>
+            <a:ext cx="6309360" cy="609600"/>
           </a:xfrm>
         </p:spPr>
         <p:txBody>
@@ -3315,8 +3331,8 @@
         </p:nvSpPr>
         <p:spPr>
           <a:xfrm>
-            <a:off x="6812280" y="274320"/>
-            <a:ext cx="1527048" cy="4983480"/>
+            <a:off x="9083040" y="274320"/>
+            <a:ext cx="2036064" cy="4983480"/>
           </a:xfrm>
         </p:spPr>
         <p:txBody>
@@ -3368,7 +3384,7 @@
         </p:nvSpPr>
         <p:spPr bwMode="auto">
           <a:xfrm>
-            <a:off x="6248400" y="0"/>
+            <a:off x="8331200" y="0"/>
             <a:ext cx="0" cy="6858000"/>
           </a:xfrm>
           <a:prstGeom prst="line">
@@ -3392,7 +3408,7 @@
           <a:bodyPr vert="horz" wrap="square" lIns="91440" tIns="45720" rIns="91440" bIns="45720" anchor="t" compatLnSpc="1"/>
           <a:lstStyle/>
           <a:p>
-            <a:endParaRPr kumimoji="0" lang="en-US" dirty="0"/>
+            <a:endParaRPr kumimoji="0" lang="en-US" sz="1800" dirty="0"/>
           </a:p>
         </p:txBody>
       </p:sp>
@@ -3406,7 +3422,7 @@
         </p:nvSpPr>
         <p:spPr bwMode="auto">
           <a:xfrm>
-            <a:off x="6192296" y="0"/>
+            <a:off x="8256395" y="0"/>
             <a:ext cx="0" cy="6858000"/>
           </a:xfrm>
           <a:prstGeom prst="line">
@@ -3428,7 +3444,7 @@
           <a:bodyPr vert="horz" wrap="square" lIns="91440" tIns="45720" rIns="91440" bIns="45720" anchor="t" compatLnSpc="1"/>
           <a:lstStyle/>
           <a:p>
-            <a:endParaRPr kumimoji="0" lang="en-US" dirty="0"/>
+            <a:endParaRPr kumimoji="0" lang="en-US" sz="1800" dirty="0"/>
           </a:p>
         </p:txBody>
       </p:sp>
@@ -3442,7 +3458,7 @@
         </p:nvSpPr>
         <p:spPr bwMode="auto">
           <a:xfrm>
-            <a:off x="8991600" y="0"/>
+            <a:off x="11988800" y="0"/>
             <a:ext cx="0" cy="6858000"/>
           </a:xfrm>
           <a:prstGeom prst="line">
@@ -3464,7 +3480,7 @@
           <a:bodyPr vert="horz" wrap="square" lIns="91440" tIns="45720" rIns="91440" bIns="45720" anchor="t" compatLnSpc="1"/>
           <a:lstStyle/>
           <a:p>
-            <a:endParaRPr kumimoji="0" lang="en-US"/>
+            <a:endParaRPr kumimoji="0" lang="en-US" sz="1800"/>
           </a:p>
         </p:txBody>
       </p:sp>
@@ -3476,8 +3492,8 @@
         </p:nvSpPr>
         <p:spPr bwMode="auto">
           <a:xfrm>
-            <a:off x="8839200" y="0"/>
-            <a:ext cx="304800" cy="6858000"/>
+            <a:off x="11785600" y="0"/>
+            <a:ext cx="406400" cy="6858000"/>
           </a:xfrm>
           <a:prstGeom prst="rect">
             <a:avLst/>
@@ -3513,7 +3529,7 @@
           <a:lstStyle/>
           <a:p>
             <a:pPr algn="ctr" eaLnBrk="1" latinLnBrk="0" hangingPunct="1"/>
-            <a:endParaRPr kumimoji="0" lang="en-US"/>
+            <a:endParaRPr kumimoji="0" lang="en-US" sz="1800"/>
           </a:p>
         </p:txBody>
       </p:sp>
@@ -3527,7 +3543,7 @@
         </p:nvSpPr>
         <p:spPr bwMode="auto">
           <a:xfrm>
-            <a:off x="8915400" y="0"/>
+            <a:off x="11887200" y="0"/>
             <a:ext cx="0" cy="6858000"/>
           </a:xfrm>
           <a:prstGeom prst="line">
@@ -3549,7 +3565,7 @@
           <a:bodyPr vert="horz" wrap="square" lIns="91440" tIns="45720" rIns="91440" bIns="45720" anchor="t" compatLnSpc="1"/>
           <a:lstStyle/>
           <a:p>
-            <a:endParaRPr kumimoji="0" lang="en-US"/>
+            <a:endParaRPr kumimoji="0" lang="en-US" sz="1800"/>
           </a:p>
         </p:txBody>
       </p:sp>
@@ -3561,8 +3577,8 @@
         </p:nvSpPr>
         <p:spPr>
           <a:xfrm>
-            <a:off x="8156448" y="5715000"/>
-            <a:ext cx="548640" cy="548640"/>
+            <a:off x="10875264" y="5715000"/>
+            <a:ext cx="731520" cy="548640"/>
           </a:xfrm>
           <a:prstGeom prst="ellipse">
             <a:avLst/>
@@ -3592,7 +3608,7 @@
           <a:lstStyle/>
           <a:p>
             <a:pPr algn="ctr" eaLnBrk="1" latinLnBrk="0" hangingPunct="1"/>
-            <a:endParaRPr kumimoji="0" lang="en-US" dirty="0"/>
+            <a:endParaRPr kumimoji="0" lang="en-US" sz="1800" dirty="0"/>
           </a:p>
         </p:txBody>
       </p:sp>
@@ -3608,8 +3624,8 @@
         </p:nvSpPr>
         <p:spPr>
           <a:xfrm>
-            <a:off x="304800" y="274320"/>
-            <a:ext cx="5638800" cy="6327648"/>
+            <a:off x="406400" y="274320"/>
+            <a:ext cx="7518400" cy="6327648"/>
           </a:xfrm>
         </p:spPr>
         <p:txBody>
@@ -3671,7 +3687,7 @@
             <a:fld id="{86B5546F-C09B-4E63-ABC5-F7C86A7E8D66}" type="datetimeFigureOut">
               <a:rPr lang="en-US" smtClean="0"/>
               <a:pPr/>
-              <a:t>12/23/2017</a:t>
+              <a:t>12/21/2019</a:t>
             </a:fld>
             <a:endParaRPr lang="en-US"/>
           </a:p>
@@ -3755,7 +3771,7 @@
         </p:nvSpPr>
         <p:spPr bwMode="auto">
           <a:xfrm>
-            <a:off x="8763000" y="0"/>
+            <a:off x="11684000" y="0"/>
             <a:ext cx="0" cy="6858000"/>
           </a:xfrm>
           <a:prstGeom prst="line">
@@ -3779,7 +3795,7 @@
           <a:bodyPr vert="horz" wrap="square" lIns="91440" tIns="45720" rIns="91440" bIns="45720" anchor="t" compatLnSpc="1"/>
           <a:lstStyle/>
           <a:p>
-            <a:endParaRPr kumimoji="0" lang="en-US"/>
+            <a:endParaRPr kumimoji="0" lang="en-US" sz="1800"/>
           </a:p>
         </p:txBody>
       </p:sp>
@@ -3791,8 +3807,8 @@
         </p:nvSpPr>
         <p:spPr>
           <a:xfrm>
-            <a:off x="8156448" y="5715000"/>
-            <a:ext cx="548640" cy="548640"/>
+            <a:off x="10875264" y="5715000"/>
+            <a:ext cx="731520" cy="548640"/>
           </a:xfrm>
           <a:prstGeom prst="ellipse">
             <a:avLst/>
@@ -3822,7 +3838,7 @@
           <a:lstStyle/>
           <a:p>
             <a:pPr algn="ctr" eaLnBrk="1" latinLnBrk="0" hangingPunct="1"/>
-            <a:endParaRPr kumimoji="0" lang="en-US" dirty="0"/>
+            <a:endParaRPr kumimoji="0" lang="en-US" sz="1800" dirty="0"/>
           </a:p>
         </p:txBody>
       </p:sp>
@@ -3838,8 +3854,8 @@
         </p:nvSpPr>
         <p:spPr>
           <a:xfrm rot="5400000">
-            <a:off x="3350133" y="3200400"/>
-            <a:ext cx="6309360" cy="457200"/>
+            <a:off x="5518404" y="3124200"/>
+            <a:ext cx="6309360" cy="609600"/>
           </a:xfrm>
         </p:spPr>
         <p:txBody>
@@ -3872,7 +3888,7 @@
         <p:spPr>
           <a:xfrm>
             <a:off x="0" y="0"/>
-            <a:ext cx="6172200" cy="6858000"/>
+            <a:ext cx="8229600" cy="6858000"/>
           </a:xfrm>
           <a:solidFill>
             <a:schemeClr val="bg2"/>
@@ -3930,8 +3946,8 @@
         </p:nvSpPr>
         <p:spPr>
           <a:xfrm>
-            <a:off x="6765798" y="264795"/>
-            <a:ext cx="1524000" cy="4956048"/>
+            <a:off x="9021064" y="264795"/>
+            <a:ext cx="2032000" cy="4956048"/>
           </a:xfrm>
         </p:spPr>
         <p:txBody>
@@ -3982,7 +3998,7 @@
         </p:nvSpPr>
         <p:spPr bwMode="auto">
           <a:xfrm>
-            <a:off x="8991600" y="0"/>
+            <a:off x="11988800" y="0"/>
             <a:ext cx="0" cy="6858000"/>
           </a:xfrm>
           <a:prstGeom prst="line">
@@ -4004,7 +4020,7 @@
           <a:bodyPr vert="horz" wrap="square" lIns="91440" tIns="45720" rIns="91440" bIns="45720" anchor="t" compatLnSpc="1"/>
           <a:lstStyle/>
           <a:p>
-            <a:endParaRPr kumimoji="0" lang="en-US"/>
+            <a:endParaRPr kumimoji="0" lang="en-US" sz="1800"/>
           </a:p>
         </p:txBody>
       </p:sp>
@@ -4016,8 +4032,8 @@
         </p:nvSpPr>
         <p:spPr bwMode="auto">
           <a:xfrm>
-            <a:off x="8839200" y="0"/>
-            <a:ext cx="304800" cy="6858000"/>
+            <a:off x="11785600" y="0"/>
+            <a:ext cx="406400" cy="6858000"/>
           </a:xfrm>
           <a:prstGeom prst="rect">
             <a:avLst/>
@@ -4052,7 +4068,7 @@
           <a:lstStyle/>
           <a:p>
             <a:pPr algn="ctr" eaLnBrk="1" latinLnBrk="0" hangingPunct="1"/>
-            <a:endParaRPr kumimoji="0" lang="en-US"/>
+            <a:endParaRPr kumimoji="0" lang="en-US" sz="1800"/>
           </a:p>
         </p:txBody>
       </p:sp>
@@ -4066,7 +4082,7 @@
         </p:nvSpPr>
         <p:spPr bwMode="auto">
           <a:xfrm>
-            <a:off x="8915400" y="0"/>
+            <a:off x="11887200" y="0"/>
             <a:ext cx="0" cy="6858000"/>
           </a:xfrm>
           <a:prstGeom prst="line">
@@ -4088,7 +4104,7 @@
           <a:bodyPr vert="horz" wrap="square" lIns="91440" tIns="45720" rIns="91440" bIns="45720" anchor="t" compatLnSpc="1"/>
           <a:lstStyle/>
           <a:p>
-            <a:endParaRPr kumimoji="0" lang="en-US"/>
+            <a:endParaRPr kumimoji="0" lang="en-US" sz="1800"/>
           </a:p>
         </p:txBody>
       </p:sp>
@@ -4102,7 +4118,7 @@
         </p:nvSpPr>
         <p:spPr bwMode="auto">
           <a:xfrm>
-            <a:off x="6248400" y="0"/>
+            <a:off x="8331200" y="0"/>
             <a:ext cx="0" cy="6858000"/>
           </a:xfrm>
           <a:prstGeom prst="line">
@@ -4126,7 +4142,7 @@
           <a:bodyPr vert="horz" wrap="square" lIns="91440" tIns="45720" rIns="91440" bIns="45720" anchor="t" compatLnSpc="1"/>
           <a:lstStyle/>
           <a:p>
-            <a:endParaRPr kumimoji="0" lang="en-US" dirty="0"/>
+            <a:endParaRPr kumimoji="0" lang="en-US" sz="1800" dirty="0"/>
           </a:p>
         </p:txBody>
       </p:sp>
@@ -4140,7 +4156,7 @@
         </p:nvSpPr>
         <p:spPr bwMode="auto">
           <a:xfrm>
-            <a:off x="6192296" y="0"/>
+            <a:off x="8256395" y="0"/>
             <a:ext cx="0" cy="6858000"/>
           </a:xfrm>
           <a:prstGeom prst="line">
@@ -4162,7 +4178,7 @@
           <a:bodyPr vert="horz" wrap="square" lIns="91440" tIns="45720" rIns="91440" bIns="45720" anchor="t" compatLnSpc="1"/>
           <a:lstStyle/>
           <a:p>
-            <a:endParaRPr kumimoji="0" lang="en-US" dirty="0"/>
+            <a:endParaRPr kumimoji="0" lang="en-US" sz="1800" dirty="0"/>
           </a:p>
         </p:txBody>
       </p:sp>
@@ -4184,7 +4200,7 @@
             <a:fld id="{86B5546F-C09B-4E63-ABC5-F7C86A7E8D66}" type="datetimeFigureOut">
               <a:rPr lang="en-US" smtClean="0"/>
               <a:pPr/>
-              <a:t>12/23/2017</a:t>
+              <a:t>12/21/2019</a:t>
             </a:fld>
             <a:endParaRPr lang="en-US"/>
           </a:p>
@@ -4273,7 +4289,7 @@
         </p:nvSpPr>
         <p:spPr bwMode="auto">
           <a:xfrm>
-            <a:off x="8763000" y="0"/>
+            <a:off x="11684000" y="0"/>
             <a:ext cx="0" cy="6858000"/>
           </a:xfrm>
           <a:prstGeom prst="line">
@@ -4298,7 +4314,7 @@
           <a:bodyPr vert="horz" wrap="square" lIns="91440" tIns="45720" rIns="91440" bIns="45720" anchor="t" compatLnSpc="1"/>
           <a:lstStyle/>
           <a:p>
-            <a:endParaRPr kumimoji="0" lang="en-US" dirty="0"/>
+            <a:endParaRPr kumimoji="0" lang="en-US" sz="1800" dirty="0"/>
           </a:p>
         </p:txBody>
       </p:sp>
@@ -4314,8 +4330,8 @@
         </p:nvSpPr>
         <p:spPr>
           <a:xfrm>
-            <a:off x="457200" y="274638"/>
-            <a:ext cx="7467600" cy="1143000"/>
+            <a:off x="609600" y="274638"/>
+            <a:ext cx="9956800" cy="1143000"/>
           </a:xfrm>
           <a:prstGeom prst="rect">
             <a:avLst/>
@@ -4347,8 +4363,8 @@
         </p:nvSpPr>
         <p:spPr>
           <a:xfrm>
-            <a:off x="457200" y="1600200"/>
-            <a:ext cx="7467600" cy="4873752"/>
+            <a:off x="609600" y="1600200"/>
+            <a:ext cx="9956800" cy="4873752"/>
           </a:xfrm>
           <a:prstGeom prst="rect">
             <a:avLst/>
@@ -4409,8 +4425,8 @@
         </p:nvSpPr>
         <p:spPr>
           <a:xfrm rot="5400000">
-            <a:off x="7589520" y="1081851"/>
-            <a:ext cx="2011680" cy="384048"/>
+            <a:off x="10454640" y="1017843"/>
+            <a:ext cx="2011680" cy="512064"/>
           </a:xfrm>
           <a:prstGeom prst="rect">
             <a:avLst/>
@@ -4431,7 +4447,7 @@
             <a:fld id="{86B5546F-C09B-4E63-ABC5-F7C86A7E8D66}" type="datetimeFigureOut">
               <a:rPr lang="en-US" smtClean="0"/>
               <a:pPr/>
-              <a:t>12/23/2017</a:t>
+              <a:t>12/21/2019</a:t>
             </a:fld>
             <a:endParaRPr lang="en-US"/>
           </a:p>
@@ -4449,8 +4465,8 @@
         </p:nvSpPr>
         <p:spPr>
           <a:xfrm rot="5400000">
-            <a:off x="6990186" y="3737240"/>
-            <a:ext cx="3200400" cy="365760"/>
+            <a:off x="9853648" y="3676280"/>
+            <a:ext cx="3200400" cy="487680"/>
           </a:xfrm>
           <a:prstGeom prst="rect">
             <a:avLst/>
@@ -4482,7 +4498,7 @@
         </p:nvSpPr>
         <p:spPr bwMode="auto">
           <a:xfrm>
-            <a:off x="76200" y="0"/>
+            <a:off x="101600" y="0"/>
             <a:ext cx="0" cy="6858000"/>
           </a:xfrm>
           <a:prstGeom prst="line">
@@ -4506,7 +4522,7 @@
           <a:bodyPr vert="horz" wrap="square" lIns="91440" tIns="45720" rIns="91440" bIns="45720" anchor="t" compatLnSpc="1"/>
           <a:lstStyle/>
           <a:p>
-            <a:endParaRPr kumimoji="0" lang="en-US"/>
+            <a:endParaRPr kumimoji="0" lang="en-US" sz="1800"/>
           </a:p>
         </p:txBody>
       </p:sp>
@@ -4520,7 +4536,7 @@
         </p:nvSpPr>
         <p:spPr bwMode="auto">
           <a:xfrm>
-            <a:off x="8991600" y="0"/>
+            <a:off x="11988800" y="0"/>
             <a:ext cx="0" cy="6858000"/>
           </a:xfrm>
           <a:prstGeom prst="line">
@@ -4542,7 +4558,7 @@
           <a:bodyPr vert="horz" wrap="square" lIns="91440" tIns="45720" rIns="91440" bIns="45720" anchor="t" compatLnSpc="1"/>
           <a:lstStyle/>
           <a:p>
-            <a:endParaRPr kumimoji="0" lang="en-US"/>
+            <a:endParaRPr kumimoji="0" lang="en-US" sz="1800"/>
           </a:p>
         </p:txBody>
       </p:sp>
@@ -4554,8 +4570,8 @@
         </p:nvSpPr>
         <p:spPr bwMode="auto">
           <a:xfrm>
-            <a:off x="8839200" y="0"/>
-            <a:ext cx="304800" cy="6858000"/>
+            <a:off x="11785600" y="0"/>
+            <a:ext cx="406400" cy="6858000"/>
           </a:xfrm>
           <a:prstGeom prst="rect">
             <a:avLst/>
@@ -4591,7 +4607,7 @@
           <a:lstStyle/>
           <a:p>
             <a:pPr algn="ctr" eaLnBrk="1" latinLnBrk="0" hangingPunct="1"/>
-            <a:endParaRPr kumimoji="0" lang="en-US"/>
+            <a:endParaRPr kumimoji="0" lang="en-US" sz="1800"/>
           </a:p>
         </p:txBody>
       </p:sp>
@@ -4605,7 +4621,7 @@
         </p:nvSpPr>
         <p:spPr bwMode="auto">
           <a:xfrm>
-            <a:off x="8915400" y="0"/>
+            <a:off x="11887200" y="0"/>
             <a:ext cx="0" cy="6858000"/>
           </a:xfrm>
           <a:prstGeom prst="line">
@@ -4627,7 +4643,7 @@
           <a:bodyPr vert="horz" wrap="square" lIns="91440" tIns="45720" rIns="91440" bIns="45720" anchor="t" compatLnSpc="1"/>
           <a:lstStyle/>
           <a:p>
-            <a:endParaRPr kumimoji="0" lang="en-US"/>
+            <a:endParaRPr kumimoji="0" lang="en-US" sz="1800"/>
           </a:p>
         </p:txBody>
       </p:sp>
@@ -4639,8 +4655,8 @@
         </p:nvSpPr>
         <p:spPr>
           <a:xfrm>
-            <a:off x="8156448" y="5715000"/>
-            <a:ext cx="548640" cy="548640"/>
+            <a:off x="10875264" y="5715000"/>
+            <a:ext cx="731520" cy="548640"/>
           </a:xfrm>
           <a:prstGeom prst="ellipse">
             <a:avLst/>
@@ -4670,7 +4686,7 @@
           <a:lstStyle/>
           <a:p>
             <a:pPr algn="ctr" eaLnBrk="1" latinLnBrk="0" hangingPunct="1"/>
-            <a:endParaRPr kumimoji="0" lang="en-US" dirty="0"/>
+            <a:endParaRPr kumimoji="0" lang="en-US" sz="1800" dirty="0"/>
           </a:p>
         </p:txBody>
       </p:sp>
@@ -4686,8 +4702,8 @@
         </p:nvSpPr>
         <p:spPr>
           <a:xfrm>
-            <a:off x="8129016" y="5734050"/>
-            <a:ext cx="609600" cy="521208"/>
+            <a:off x="10838688" y="5734050"/>
+            <a:ext cx="812800" cy="521208"/>
           </a:xfrm>
           <a:prstGeom prst="rect">
             <a:avLst/>
@@ -5055,7 +5071,7 @@
           <a:lstStyle/>
           <a:p>
             <a:r>
-              <a:rPr lang="zh-CN" altLang="en-US" sz="8000" dirty="0" smtClean="0"/>
+              <a:rPr lang="zh-CN" altLang="en-US" sz="8000" dirty="0"/>
               <a:t>救主降生</a:t>
             </a:r>
             <a:endParaRPr lang="en-US" sz="8000" dirty="0"/>
@@ -5238,8 +5254,8 @@
         </p:nvSpPr>
         <p:spPr>
           <a:xfrm>
-            <a:off x="0" y="0"/>
-            <a:ext cx="9144000" cy="6858000"/>
+            <a:off x="152400" y="0"/>
+            <a:ext cx="11582400" cy="6858000"/>
           </a:xfrm>
         </p:spPr>
         <p:txBody>
@@ -5249,20 +5265,20 @@
           <a:lstStyle/>
           <a:p>
             <a:r>
-              <a:rPr lang="zh-TW" altLang="en-US" sz="5400" dirty="0" smtClean="0">
+              <a:rPr lang="zh-TW" altLang="en-US" sz="5400" dirty="0">
                 <a:latin typeface="微軟正黑體" pitchFamily="34" charset="-120"/>
                 <a:ea typeface="微軟正黑體" pitchFamily="34" charset="-120"/>
               </a:rPr>
               <a:t>主自己要給你們一個兆頭，必有童女懷孕生子，給他起名叫以馬內利。</a:t>
             </a:r>
-            <a:endParaRPr lang="en-US" altLang="zh-TW" sz="5400" dirty="0" smtClean="0">
+            <a:endParaRPr lang="en-US" altLang="zh-TW" sz="5400" dirty="0">
               <a:latin typeface="微軟正黑體" pitchFamily="34" charset="-120"/>
               <a:ea typeface="微軟正黑體" pitchFamily="34" charset="-120"/>
             </a:endParaRPr>
           </a:p>
           <a:p>
             <a:r>
-              <a:rPr lang="zh-TW" altLang="en-US" sz="5400" b="1" dirty="0" smtClean="0">
+              <a:rPr lang="zh-TW" altLang="en-US" sz="5400" b="1" dirty="0">
                 <a:latin typeface="微軟正黑體" pitchFamily="34" charset="-120"/>
                 <a:ea typeface="微軟正黑體" pitchFamily="34" charset="-120"/>
               </a:rPr>
@@ -5312,8 +5328,8 @@
         </p:nvSpPr>
         <p:spPr>
           <a:xfrm>
-            <a:off x="0" y="0"/>
-            <a:ext cx="9144000" cy="6858000"/>
+            <a:off x="152400" y="0"/>
+            <a:ext cx="11582400" cy="6858000"/>
           </a:xfrm>
         </p:spPr>
         <p:txBody>
@@ -5323,33 +5339,26 @@
           <a:lstStyle/>
           <a:p>
             <a:r>
-              <a:rPr lang="zh-TW" altLang="en-US" sz="5400" dirty="0" smtClean="0">
+              <a:rPr lang="zh-TW" altLang="en-US" sz="5400" dirty="0">
                 <a:latin typeface="微軟正黑體" pitchFamily="34" charset="-120"/>
                 <a:ea typeface="微軟正黑體" pitchFamily="34" charset="-120"/>
               </a:rPr>
               <a:t>當希律王的時候，耶穌生在猶太的伯利恆。</a:t>
             </a:r>
-            <a:endParaRPr lang="en-US" altLang="zh-TW" sz="5400" dirty="0" smtClean="0">
+            <a:endParaRPr lang="en-US" altLang="zh-TW" sz="5400" dirty="0">
               <a:latin typeface="微軟正黑體" pitchFamily="34" charset="-120"/>
               <a:ea typeface="微軟正黑體" pitchFamily="34" charset="-120"/>
             </a:endParaRPr>
           </a:p>
           <a:p>
             <a:r>
-              <a:rPr lang="zh-TW" altLang="en-US" sz="5400" b="1" dirty="0" smtClean="0">
+              <a:rPr lang="zh-TW" altLang="en-US" sz="5400" b="1" dirty="0">
                 <a:latin typeface="微軟正黑體" pitchFamily="34" charset="-120"/>
                 <a:ea typeface="微軟正黑體" pitchFamily="34" charset="-120"/>
               </a:rPr>
-              <a:t>他們在那裡的時候，馬利亞的產期到了，就生了頭胎的兒子，用布包起來，放在馬槽裡</a:t>
-            </a:r>
-            <a:r>
-              <a:rPr lang="zh-TW" altLang="en-US" sz="5400" b="1" dirty="0" smtClean="0">
-                <a:latin typeface="微軟正黑體" pitchFamily="34" charset="-120"/>
-                <a:ea typeface="微軟正黑體" pitchFamily="34" charset="-120"/>
-              </a:rPr>
-              <a:t>。</a:t>
-            </a:r>
-            <a:endParaRPr lang="en-US" altLang="zh-TW" sz="5400" b="1" dirty="0" smtClean="0">
+              <a:t>他們在那裡的時候，馬利亞的產期到了，就生了頭胎的兒子，用布包起來，放在馬槽裡。</a:t>
+            </a:r>
+            <a:endParaRPr lang="en-US" altLang="zh-TW" sz="5400" b="1" dirty="0">
               <a:latin typeface="微軟正黑體" pitchFamily="34" charset="-120"/>
               <a:ea typeface="微軟正黑體" pitchFamily="34" charset="-120"/>
             </a:endParaRPr>
@@ -5357,6 +5366,11 @@
         </p:txBody>
       </p:sp>
     </p:spTree>
+    <p:extLst>
+      <p:ext uri="{BB962C8B-B14F-4D97-AF65-F5344CB8AC3E}">
+        <p14:creationId xmlns:p14="http://schemas.microsoft.com/office/powerpoint/2010/main" val="4198936679"/>
+      </p:ext>
+    </p:extLst>
   </p:cSld>
   <p:clrMapOvr>
     <a:masterClrMapping/>
@@ -5393,8 +5407,8 @@
         </p:nvSpPr>
         <p:spPr>
           <a:xfrm>
-            <a:off x="0" y="0"/>
-            <a:ext cx="9144000" cy="6858000"/>
+            <a:off x="152400" y="0"/>
+            <a:ext cx="11582400" cy="6858000"/>
           </a:xfrm>
         </p:spPr>
         <p:txBody>
@@ -5404,20 +5418,20 @@
           <a:lstStyle/>
           <a:p>
             <a:r>
-              <a:rPr lang="zh-TW" altLang="en-US" sz="5400" dirty="0" smtClean="0">
+              <a:rPr lang="zh-TW" altLang="en-US" sz="5400" dirty="0">
                 <a:latin typeface="微軟正黑體" pitchFamily="34" charset="-120"/>
                 <a:ea typeface="微軟正黑體" pitchFamily="34" charset="-120"/>
               </a:rPr>
               <a:t>我報給你們大喜的信息，是關乎萬民的；因今天在大衛的城裡，為你們生了救主，就是主基督。</a:t>
             </a:r>
-            <a:endParaRPr lang="en-US" altLang="zh-TW" sz="5400" dirty="0" smtClean="0">
+            <a:endParaRPr lang="en-US" altLang="zh-TW" sz="5400" dirty="0">
               <a:latin typeface="微軟正黑體" pitchFamily="34" charset="-120"/>
               <a:ea typeface="微軟正黑體" pitchFamily="34" charset="-120"/>
             </a:endParaRPr>
           </a:p>
           <a:p>
             <a:r>
-              <a:rPr lang="zh-TW" altLang="en-US" sz="5400" b="1" dirty="0" smtClean="0">
+              <a:rPr lang="zh-TW" altLang="en-US" sz="5400" b="1" dirty="0">
                 <a:latin typeface="微軟正黑體" pitchFamily="34" charset="-120"/>
                 <a:ea typeface="微軟正黑體" pitchFamily="34" charset="-120"/>
               </a:rPr>
@@ -5431,6 +5445,11 @@
         </p:txBody>
       </p:sp>
     </p:spTree>
+    <p:extLst>
+      <p:ext uri="{BB962C8B-B14F-4D97-AF65-F5344CB8AC3E}">
+        <p14:creationId xmlns:p14="http://schemas.microsoft.com/office/powerpoint/2010/main" val="213331866"/>
+      </p:ext>
+    </p:extLst>
   </p:cSld>
   <p:clrMapOvr>
     <a:masterClrMapping/>
@@ -5467,8 +5486,8 @@
         </p:nvSpPr>
         <p:spPr>
           <a:xfrm>
-            <a:off x="0" y="0"/>
-            <a:ext cx="9144000" cy="6858000"/>
+            <a:off x="152400" y="0"/>
+            <a:ext cx="11582400" cy="6858000"/>
           </a:xfrm>
         </p:spPr>
         <p:txBody>
@@ -5478,14 +5497,14 @@
           <a:lstStyle/>
           <a:p>
             <a:r>
-              <a:rPr lang="zh-TW" altLang="en-US" sz="5400" dirty="0" smtClean="0">
+              <a:rPr lang="zh-TW" altLang="en-US" sz="5400" dirty="0">
                 <a:latin typeface="微軟正黑體" pitchFamily="34" charset="-120"/>
                 <a:ea typeface="微軟正黑體" pitchFamily="34" charset="-120"/>
               </a:rPr>
               <a:t>有幾個博士從東方來到耶路撒冷，說：「那生下來作猶太人之王的在那裡？我們在東方看見他的星，特來拜他</a:t>
             </a:r>
             <a:r>
-              <a:rPr lang="en-US" altLang="zh-TW" sz="5400" dirty="0" smtClean="0">
+              <a:rPr lang="en-US" altLang="zh-TW" sz="5400" dirty="0">
                 <a:latin typeface="微軟正黑體" pitchFamily="34" charset="-120"/>
                 <a:ea typeface="微軟正黑體" pitchFamily="34" charset="-120"/>
               </a:rPr>
@@ -5494,13 +5513,13 @@
           </a:p>
           <a:p>
             <a:r>
-              <a:rPr lang="zh-TW" altLang="en-US" sz="5400" b="1" dirty="0" smtClean="0">
+              <a:rPr lang="zh-TW" altLang="en-US" sz="5400" b="1" dirty="0">
                 <a:latin typeface="微軟正黑體" pitchFamily="34" charset="-120"/>
                 <a:ea typeface="微軟正黑體" pitchFamily="34" charset="-120"/>
               </a:rPr>
               <a:t>進了房子，看見小孩子和他母親馬利亞，就俯伏拜那小孩子，揭開寶盒，拿黃金、乳香、沒藥為禮物獻給他。</a:t>
             </a:r>
-            <a:endParaRPr lang="en-US" altLang="zh-TW" sz="5400" b="1" dirty="0" smtClean="0">
+            <a:endParaRPr lang="en-US" altLang="zh-TW" sz="5400" b="1" dirty="0">
               <a:latin typeface="微軟正黑體" pitchFamily="34" charset="-120"/>
               <a:ea typeface="微軟正黑體" pitchFamily="34" charset="-120"/>
             </a:endParaRPr>
@@ -5508,6 +5527,11 @@
         </p:txBody>
       </p:sp>
     </p:spTree>
+    <p:extLst>
+      <p:ext uri="{BB962C8B-B14F-4D97-AF65-F5344CB8AC3E}">
+        <p14:creationId xmlns:p14="http://schemas.microsoft.com/office/powerpoint/2010/main" val="157645240"/>
+      </p:ext>
+    </p:extLst>
   </p:cSld>
   <p:clrMapOvr>
     <a:masterClrMapping/>
